--- a/figs/LTX-RT.pptx
+++ b/figs/LTX-RT.pptx
@@ -6,6 +6,7 @@
   </p:sldMasterIdLst>
   <p:sldIdLst>
     <p:sldId id="256" r:id="rId2"/>
+    <p:sldId id="257" r:id="rId3"/>
   </p:sldIdLst>
   <p:sldSz cx="9144000" cy="6858000" type="screen4x3"/>
   <p:notesSz cx="6858000" cy="9144000"/>
@@ -288,7 +289,7 @@
           <a:p>
             <a:fld id="{8314A642-4F67-384F-8484-C8FD7A44C755}" type="datetimeFigureOut">
               <a:rPr lang="en-US" smtClean="0"/>
-              <a:t>9/20/16</a:t>
+              <a:t>12/12/16</a:t>
             </a:fld>
             <a:endParaRPr lang="en-US"/>
           </a:p>
@@ -458,7 +459,7 @@
           <a:p>
             <a:fld id="{8314A642-4F67-384F-8484-C8FD7A44C755}" type="datetimeFigureOut">
               <a:rPr lang="en-US" smtClean="0"/>
-              <a:t>9/20/16</a:t>
+              <a:t>12/12/16</a:t>
             </a:fld>
             <a:endParaRPr lang="en-US"/>
           </a:p>
@@ -638,7 +639,7 @@
           <a:p>
             <a:fld id="{8314A642-4F67-384F-8484-C8FD7A44C755}" type="datetimeFigureOut">
               <a:rPr lang="en-US" smtClean="0"/>
-              <a:t>9/20/16</a:t>
+              <a:t>12/12/16</a:t>
             </a:fld>
             <a:endParaRPr lang="en-US"/>
           </a:p>
@@ -808,7 +809,7 @@
           <a:p>
             <a:fld id="{8314A642-4F67-384F-8484-C8FD7A44C755}" type="datetimeFigureOut">
               <a:rPr lang="en-US" smtClean="0"/>
-              <a:t>9/20/16</a:t>
+              <a:t>12/12/16</a:t>
             </a:fld>
             <a:endParaRPr lang="en-US"/>
           </a:p>
@@ -1054,7 +1055,7 @@
           <a:p>
             <a:fld id="{8314A642-4F67-384F-8484-C8FD7A44C755}" type="datetimeFigureOut">
               <a:rPr lang="en-US" smtClean="0"/>
-              <a:t>9/20/16</a:t>
+              <a:t>12/12/16</a:t>
             </a:fld>
             <a:endParaRPr lang="en-US"/>
           </a:p>
@@ -1342,7 +1343,7 @@
           <a:p>
             <a:fld id="{8314A642-4F67-384F-8484-C8FD7A44C755}" type="datetimeFigureOut">
               <a:rPr lang="en-US" smtClean="0"/>
-              <a:t>9/20/16</a:t>
+              <a:t>12/12/16</a:t>
             </a:fld>
             <a:endParaRPr lang="en-US"/>
           </a:p>
@@ -1764,7 +1765,7 @@
           <a:p>
             <a:fld id="{8314A642-4F67-384F-8484-C8FD7A44C755}" type="datetimeFigureOut">
               <a:rPr lang="en-US" smtClean="0"/>
-              <a:t>9/20/16</a:t>
+              <a:t>12/12/16</a:t>
             </a:fld>
             <a:endParaRPr lang="en-US"/>
           </a:p>
@@ -1882,7 +1883,7 @@
           <a:p>
             <a:fld id="{8314A642-4F67-384F-8484-C8FD7A44C755}" type="datetimeFigureOut">
               <a:rPr lang="en-US" smtClean="0"/>
-              <a:t>9/20/16</a:t>
+              <a:t>12/12/16</a:t>
             </a:fld>
             <a:endParaRPr lang="en-US"/>
           </a:p>
@@ -1977,7 +1978,7 @@
           <a:p>
             <a:fld id="{8314A642-4F67-384F-8484-C8FD7A44C755}" type="datetimeFigureOut">
               <a:rPr lang="en-US" smtClean="0"/>
-              <a:t>9/20/16</a:t>
+              <a:t>12/12/16</a:t>
             </a:fld>
             <a:endParaRPr lang="en-US"/>
           </a:p>
@@ -2254,7 +2255,7 @@
           <a:p>
             <a:fld id="{8314A642-4F67-384F-8484-C8FD7A44C755}" type="datetimeFigureOut">
               <a:rPr lang="en-US" smtClean="0"/>
-              <a:t>9/20/16</a:t>
+              <a:t>12/12/16</a:t>
             </a:fld>
             <a:endParaRPr lang="en-US"/>
           </a:p>
@@ -2507,7 +2508,7 @@
           <a:p>
             <a:fld id="{8314A642-4F67-384F-8484-C8FD7A44C755}" type="datetimeFigureOut">
               <a:rPr lang="en-US" smtClean="0"/>
-              <a:t>9/20/16</a:t>
+              <a:t>12/12/16</a:t>
             </a:fld>
             <a:endParaRPr lang="en-US"/>
           </a:p>
@@ -2720,7 +2721,7 @@
           <a:p>
             <a:fld id="{8314A642-4F67-384F-8484-C8FD7A44C755}" type="datetimeFigureOut">
               <a:rPr lang="en-US" smtClean="0"/>
-              <a:t>9/20/16</a:t>
+              <a:t>12/12/16</a:t>
             </a:fld>
             <a:endParaRPr lang="en-US"/>
           </a:p>
@@ -3621,6 +3622,1022 @@
     <p:extLst>
       <p:ext uri="{BB962C8B-B14F-4D97-AF65-F5344CB8AC3E}">
         <p14:creationId xmlns:p14="http://schemas.microsoft.com/office/powerpoint/2010/main" val="2619372460"/>
+      </p:ext>
+    </p:extLst>
+  </p:cSld>
+  <p:clrMapOvr>
+    <a:masterClrMapping/>
+  </p:clrMapOvr>
+</p:sld>
+</file>
+
+<file path=ppt/slides/slide2.xml><?xml version="1.0" encoding="utf-8"?>
+<p:sld xmlns:a="http://schemas.openxmlformats.org/drawingml/2006/main" xmlns:r="http://schemas.openxmlformats.org/officeDocument/2006/relationships" xmlns:p="http://schemas.openxmlformats.org/presentationml/2006/main">
+  <p:cSld>
+    <p:spTree>
+      <p:nvGrpSpPr>
+        <p:cNvPr id="1" name=""/>
+        <p:cNvGrpSpPr/>
+        <p:nvPr/>
+      </p:nvGrpSpPr>
+      <p:grpSpPr>
+        <a:xfrm>
+          <a:off x="0" y="0"/>
+          <a:ext cx="0" cy="0"/>
+          <a:chOff x="0" y="0"/>
+          <a:chExt cx="0" cy="0"/>
+        </a:xfrm>
+      </p:grpSpPr>
+      <p:graphicFrame>
+        <p:nvGraphicFramePr>
+          <p:cNvPr id="17" name="Table 16"/>
+          <p:cNvGraphicFramePr>
+            <a:graphicFrameLocks noGrp="1"/>
+          </p:cNvGraphicFramePr>
+          <p:nvPr>
+            <p:extLst>
+              <p:ext uri="{D42A27DB-BD31-4B8C-83A1-F6EECF244321}">
+                <p14:modId xmlns:p14="http://schemas.microsoft.com/office/powerpoint/2010/main" val="3015404611"/>
+              </p:ext>
+            </p:extLst>
+          </p:nvPr>
+        </p:nvGraphicFramePr>
+        <p:xfrm>
+          <a:off x="1524000" y="1397000"/>
+          <a:ext cx="6096000" cy="1483360"/>
+        </p:xfrm>
+        <a:graphic>
+          <a:graphicData uri="http://schemas.openxmlformats.org/drawingml/2006/table">
+            <a:tbl>
+              <a:tblPr firstRow="1" bandRow="1">
+                <a:tableStyleId>{2D5ABB26-0587-4C30-8999-92F81FD0307C}</a:tableStyleId>
+              </a:tblPr>
+              <a:tblGrid>
+                <a:gridCol w="1524000"/>
+                <a:gridCol w="1524000"/>
+                <a:gridCol w="1524000"/>
+                <a:gridCol w="1524000"/>
+              </a:tblGrid>
+              <a:tr h="370840">
+                <a:tc>
+                  <a:txBody>
+                    <a:bodyPr/>
+                    <a:lstStyle/>
+                    <a:p>
+                      <a:pPr algn="ctr"/>
+                      <a:r>
+                        <a:rPr lang="en-US" dirty="0" smtClean="0"/>
+                        <a:t>Key</a:t>
+                      </a:r>
+                      <a:endParaRPr lang="en-US" dirty="0"/>
+                    </a:p>
+                  </a:txBody>
+                  <a:tcPr>
+                    <a:lnL w="19050" cap="flat" cmpd="sng" algn="ctr">
+                      <a:solidFill>
+                        <a:scrgbClr r="0" g="0" b="0"/>
+                      </a:solidFill>
+                      <a:prstDash val="solid"/>
+                      <a:round/>
+                      <a:headEnd type="none" w="med" len="med"/>
+                      <a:tailEnd type="none" w="med" len="med"/>
+                    </a:lnL>
+                    <a:lnR w="19050" cap="flat" cmpd="sng" algn="ctr">
+                      <a:solidFill>
+                        <a:scrgbClr r="0" g="0" b="0"/>
+                      </a:solidFill>
+                      <a:prstDash val="solid"/>
+                      <a:round/>
+                      <a:headEnd type="none" w="med" len="med"/>
+                      <a:tailEnd type="none" w="med" len="med"/>
+                    </a:lnR>
+                    <a:lnT w="19050" cap="flat" cmpd="sng" algn="ctr">
+                      <a:solidFill>
+                        <a:scrgbClr r="0" g="0" b="0"/>
+                      </a:solidFill>
+                      <a:prstDash val="solid"/>
+                      <a:round/>
+                      <a:headEnd type="none" w="med" len="med"/>
+                      <a:tailEnd type="none" w="med" len="med"/>
+                    </a:lnT>
+                    <a:lnB w="19050" cap="flat" cmpd="sng" algn="ctr">
+                      <a:solidFill>
+                        <a:scrgbClr r="0" g="0" b="0"/>
+                      </a:solidFill>
+                      <a:prstDash val="solid"/>
+                      <a:round/>
+                      <a:headEnd type="none" w="med" len="med"/>
+                      <a:tailEnd type="none" w="med" len="med"/>
+                    </a:lnB>
+                  </a:tcPr>
+                </a:tc>
+                <a:tc>
+                  <a:txBody>
+                    <a:bodyPr/>
+                    <a:lstStyle/>
+                    <a:p>
+                      <a:pPr algn="ctr"/>
+                      <a:r>
+                        <a:rPr lang="en-US" dirty="0" smtClean="0"/>
+                        <a:t>Value</a:t>
+                      </a:r>
+                      <a:endParaRPr lang="en-US" dirty="0"/>
+                    </a:p>
+                  </a:txBody>
+                  <a:tcPr>
+                    <a:lnL w="19050" cap="flat" cmpd="sng" algn="ctr">
+                      <a:solidFill>
+                        <a:scrgbClr r="0" g="0" b="0"/>
+                      </a:solidFill>
+                      <a:prstDash val="solid"/>
+                      <a:round/>
+                      <a:headEnd type="none" w="med" len="med"/>
+                      <a:tailEnd type="none" w="med" len="med"/>
+                    </a:lnL>
+                    <a:lnR w="19050" cap="flat" cmpd="sng" algn="ctr">
+                      <a:solidFill>
+                        <a:scrgbClr r="0" g="0" b="0"/>
+                      </a:solidFill>
+                      <a:prstDash val="solid"/>
+                      <a:round/>
+                      <a:headEnd type="none" w="med" len="med"/>
+                      <a:tailEnd type="none" w="med" len="med"/>
+                    </a:lnR>
+                    <a:lnT w="19050" cap="flat" cmpd="sng" algn="ctr">
+                      <a:solidFill>
+                        <a:scrgbClr r="0" g="0" b="0"/>
+                      </a:solidFill>
+                      <a:prstDash val="solid"/>
+                      <a:round/>
+                      <a:headEnd type="none" w="med" len="med"/>
+                      <a:tailEnd type="none" w="med" len="med"/>
+                    </a:lnT>
+                    <a:lnB w="19050" cap="flat" cmpd="sng" algn="ctr">
+                      <a:solidFill>
+                        <a:scrgbClr r="0" g="0" b="0"/>
+                      </a:solidFill>
+                      <a:prstDash val="solid"/>
+                      <a:round/>
+                      <a:headEnd type="none" w="med" len="med"/>
+                      <a:tailEnd type="none" w="med" len="med"/>
+                    </a:lnB>
+                  </a:tcPr>
+                </a:tc>
+                <a:tc>
+                  <a:txBody>
+                    <a:bodyPr/>
+                    <a:lstStyle/>
+                    <a:p>
+                      <a:pPr algn="ctr"/>
+                      <a:r>
+                        <a:rPr lang="en-US" dirty="0" smtClean="0"/>
+                        <a:t>Shadow Cell</a:t>
+                      </a:r>
+                      <a:endParaRPr lang="en-US" dirty="0"/>
+                    </a:p>
+                  </a:txBody>
+                  <a:tcPr>
+                    <a:lnL w="19050" cap="flat" cmpd="sng" algn="ctr">
+                      <a:solidFill>
+                        <a:scrgbClr r="0" g="0" b="0"/>
+                      </a:solidFill>
+                      <a:prstDash val="solid"/>
+                      <a:round/>
+                      <a:headEnd type="none" w="med" len="med"/>
+                      <a:tailEnd type="none" w="med" len="med"/>
+                    </a:lnL>
+                    <a:lnR w="19050" cap="flat" cmpd="sng" algn="ctr">
+                      <a:solidFill>
+                        <a:scrgbClr r="0" g="0" b="0"/>
+                      </a:solidFill>
+                      <a:prstDash val="solid"/>
+                      <a:round/>
+                      <a:headEnd type="none" w="med" len="med"/>
+                      <a:tailEnd type="none" w="med" len="med"/>
+                    </a:lnR>
+                    <a:lnT w="19050" cap="flat" cmpd="sng" algn="ctr">
+                      <a:solidFill>
+                        <a:scrgbClr r="0" g="0" b="0"/>
+                      </a:solidFill>
+                      <a:prstDash val="solid"/>
+                      <a:round/>
+                      <a:headEnd type="none" w="med" len="med"/>
+                      <a:tailEnd type="none" w="med" len="med"/>
+                    </a:lnT>
+                    <a:lnB w="19050" cap="flat" cmpd="sng" algn="ctr">
+                      <a:solidFill>
+                        <a:scrgbClr r="0" g="0" b="0"/>
+                      </a:solidFill>
+                      <a:prstDash val="solid"/>
+                      <a:round/>
+                      <a:headEnd type="none" w="med" len="med"/>
+                      <a:tailEnd type="none" w="med" len="med"/>
+                    </a:lnB>
+                  </a:tcPr>
+                </a:tc>
+                <a:tc>
+                  <a:txBody>
+                    <a:bodyPr/>
+                    <a:lstStyle/>
+                    <a:p>
+                      <a:pPr algn="ctr"/>
+                      <a:r>
+                        <a:rPr lang="en-US" dirty="0" smtClean="0"/>
+                        <a:t>Leader Cell</a:t>
+                      </a:r>
+                      <a:endParaRPr lang="en-US" dirty="0"/>
+                    </a:p>
+                  </a:txBody>
+                  <a:tcPr>
+                    <a:lnL w="19050" cap="flat" cmpd="sng" algn="ctr">
+                      <a:solidFill>
+                        <a:scrgbClr r="0" g="0" b="0"/>
+                      </a:solidFill>
+                      <a:prstDash val="solid"/>
+                      <a:round/>
+                      <a:headEnd type="none" w="med" len="med"/>
+                      <a:tailEnd type="none" w="med" len="med"/>
+                    </a:lnL>
+                    <a:lnR w="19050" cap="flat" cmpd="sng" algn="ctr">
+                      <a:solidFill>
+                        <a:scrgbClr r="0" g="0" b="0"/>
+                      </a:solidFill>
+                      <a:prstDash val="solid"/>
+                      <a:round/>
+                      <a:headEnd type="none" w="med" len="med"/>
+                      <a:tailEnd type="none" w="med" len="med"/>
+                    </a:lnR>
+                    <a:lnT w="19050" cap="flat" cmpd="sng" algn="ctr">
+                      <a:solidFill>
+                        <a:scrgbClr r="0" g="0" b="0"/>
+                      </a:solidFill>
+                      <a:prstDash val="solid"/>
+                      <a:round/>
+                      <a:headEnd type="none" w="med" len="med"/>
+                      <a:tailEnd type="none" w="med" len="med"/>
+                    </a:lnT>
+                    <a:lnB w="19050" cap="flat" cmpd="sng" algn="ctr">
+                      <a:solidFill>
+                        <a:scrgbClr r="0" g="0" b="0"/>
+                      </a:solidFill>
+                      <a:prstDash val="solid"/>
+                      <a:round/>
+                      <a:headEnd type="none" w="med" len="med"/>
+                      <a:tailEnd type="none" w="med" len="med"/>
+                    </a:lnB>
+                  </a:tcPr>
+                </a:tc>
+              </a:tr>
+              <a:tr h="370840">
+                <a:tc>
+                  <a:txBody>
+                    <a:bodyPr/>
+                    <a:lstStyle/>
+                    <a:p>
+                      <a:r>
+                        <a:rPr lang="en-US" dirty="0" smtClean="0">
+                          <a:solidFill>
+                            <a:schemeClr val="tx2">
+                              <a:lumMod val="60000"/>
+                              <a:lumOff val="40000"/>
+                            </a:schemeClr>
+                          </a:solidFill>
+                        </a:rPr>
+                        <a:t>Key1</a:t>
+                      </a:r>
+                      <a:endParaRPr lang="en-US" dirty="0">
+                        <a:solidFill>
+                          <a:schemeClr val="tx2">
+                            <a:lumMod val="60000"/>
+                            <a:lumOff val="40000"/>
+                          </a:schemeClr>
+                        </a:solidFill>
+                      </a:endParaRPr>
+                    </a:p>
+                  </a:txBody>
+                  <a:tcPr>
+                    <a:lnL w="12700" cap="flat" cmpd="sng" algn="ctr">
+                      <a:solidFill>
+                        <a:scrgbClr r="0" g="0" b="0"/>
+                      </a:solidFill>
+                      <a:prstDash val="solid"/>
+                      <a:round/>
+                      <a:headEnd type="none" w="med" len="med"/>
+                      <a:tailEnd type="none" w="med" len="med"/>
+                    </a:lnL>
+                    <a:lnR w="12700" cap="flat" cmpd="sng" algn="ctr">
+                      <a:solidFill>
+                        <a:scrgbClr r="0" g="0" b="0"/>
+                      </a:solidFill>
+                      <a:prstDash val="solid"/>
+                      <a:round/>
+                      <a:headEnd type="none" w="med" len="med"/>
+                      <a:tailEnd type="none" w="med" len="med"/>
+                    </a:lnR>
+                    <a:lnT w="19050" cap="flat" cmpd="sng" algn="ctr">
+                      <a:solidFill>
+                        <a:scrgbClr r="0" g="0" b="0"/>
+                      </a:solidFill>
+                      <a:prstDash val="solid"/>
+                      <a:round/>
+                      <a:headEnd type="none" w="med" len="med"/>
+                      <a:tailEnd type="none" w="med" len="med"/>
+                    </a:lnT>
+                    <a:lnB w="12700" cap="flat" cmpd="sng" algn="ctr">
+                      <a:solidFill>
+                        <a:scrgbClr r="0" g="0" b="0"/>
+                      </a:solidFill>
+                      <a:prstDash val="solid"/>
+                      <a:round/>
+                      <a:headEnd type="none" w="med" len="med"/>
+                      <a:tailEnd type="none" w="med" len="med"/>
+                    </a:lnB>
+                  </a:tcPr>
+                </a:tc>
+                <a:tc>
+                  <a:txBody>
+                    <a:bodyPr/>
+                    <a:lstStyle/>
+                    <a:p>
+                      <a:r>
+                        <a:rPr lang="en-US" dirty="0" smtClean="0">
+                          <a:solidFill>
+                            <a:schemeClr val="tx2">
+                              <a:lumMod val="60000"/>
+                              <a:lumOff val="40000"/>
+                            </a:schemeClr>
+                          </a:solidFill>
+                        </a:rPr>
+                        <a:t>XXX</a:t>
+                      </a:r>
+                      <a:endParaRPr lang="en-US" dirty="0">
+                        <a:solidFill>
+                          <a:schemeClr val="tx2">
+                            <a:lumMod val="60000"/>
+                            <a:lumOff val="40000"/>
+                          </a:schemeClr>
+                        </a:solidFill>
+                      </a:endParaRPr>
+                    </a:p>
+                  </a:txBody>
+                  <a:tcPr>
+                    <a:lnL w="12700" cap="flat" cmpd="sng" algn="ctr">
+                      <a:solidFill>
+                        <a:scrgbClr r="0" g="0" b="0"/>
+                      </a:solidFill>
+                      <a:prstDash val="solid"/>
+                      <a:round/>
+                      <a:headEnd type="none" w="med" len="med"/>
+                      <a:tailEnd type="none" w="med" len="med"/>
+                    </a:lnL>
+                    <a:lnR w="12700" cap="flat" cmpd="sng" algn="ctr">
+                      <a:solidFill>
+                        <a:scrgbClr r="0" g="0" b="0"/>
+                      </a:solidFill>
+                      <a:prstDash val="solid"/>
+                      <a:round/>
+                      <a:headEnd type="none" w="med" len="med"/>
+                      <a:tailEnd type="none" w="med" len="med"/>
+                    </a:lnR>
+                    <a:lnT w="19050" cap="flat" cmpd="sng" algn="ctr">
+                      <a:solidFill>
+                        <a:scrgbClr r="0" g="0" b="0"/>
+                      </a:solidFill>
+                      <a:prstDash val="solid"/>
+                      <a:round/>
+                      <a:headEnd type="none" w="med" len="med"/>
+                      <a:tailEnd type="none" w="med" len="med"/>
+                    </a:lnT>
+                    <a:lnB w="12700" cap="flat" cmpd="sng" algn="ctr">
+                      <a:solidFill>
+                        <a:scrgbClr r="0" g="0" b="0"/>
+                      </a:solidFill>
+                      <a:prstDash val="solid"/>
+                      <a:round/>
+                      <a:headEnd type="none" w="med" len="med"/>
+                      <a:tailEnd type="none" w="med" len="med"/>
+                    </a:lnB>
+                  </a:tcPr>
+                </a:tc>
+                <a:tc>
+                  <a:txBody>
+                    <a:bodyPr/>
+                    <a:lstStyle/>
+                    <a:p>
+                      <a:endParaRPr lang="en-US" dirty="0">
+                        <a:solidFill>
+                          <a:schemeClr val="tx2">
+                            <a:lumMod val="60000"/>
+                            <a:lumOff val="40000"/>
+                          </a:schemeClr>
+                        </a:solidFill>
+                      </a:endParaRPr>
+                    </a:p>
+                  </a:txBody>
+                  <a:tcPr>
+                    <a:lnL w="12700" cap="flat" cmpd="sng" algn="ctr">
+                      <a:solidFill>
+                        <a:scrgbClr r="0" g="0" b="0"/>
+                      </a:solidFill>
+                      <a:prstDash val="solid"/>
+                      <a:round/>
+                      <a:headEnd type="none" w="med" len="med"/>
+                      <a:tailEnd type="none" w="med" len="med"/>
+                    </a:lnL>
+                    <a:lnR w="12700" cap="flat" cmpd="sng" algn="ctr">
+                      <a:solidFill>
+                        <a:scrgbClr r="0" g="0" b="0"/>
+                      </a:solidFill>
+                      <a:prstDash val="solid"/>
+                      <a:round/>
+                      <a:headEnd type="none" w="med" len="med"/>
+                      <a:tailEnd type="none" w="med" len="med"/>
+                    </a:lnR>
+                    <a:lnT w="19050" cap="flat" cmpd="sng" algn="ctr">
+                      <a:solidFill>
+                        <a:scrgbClr r="0" g="0" b="0"/>
+                      </a:solidFill>
+                      <a:prstDash val="solid"/>
+                      <a:round/>
+                      <a:headEnd type="none" w="med" len="med"/>
+                      <a:tailEnd type="none" w="med" len="med"/>
+                    </a:lnT>
+                    <a:lnB w="12700" cap="flat" cmpd="sng" algn="ctr">
+                      <a:solidFill>
+                        <a:scrgbClr r="0" g="0" b="0"/>
+                      </a:solidFill>
+                      <a:prstDash val="solid"/>
+                      <a:round/>
+                      <a:headEnd type="none" w="med" len="med"/>
+                      <a:tailEnd type="none" w="med" len="med"/>
+                    </a:lnB>
+                  </a:tcPr>
+                </a:tc>
+                <a:tc>
+                  <a:txBody>
+                    <a:bodyPr/>
+                    <a:lstStyle/>
+                    <a:p>
+                      <a:endParaRPr lang="en-US" dirty="0">
+                        <a:solidFill>
+                          <a:schemeClr val="tx2">
+                            <a:lumMod val="60000"/>
+                            <a:lumOff val="40000"/>
+                          </a:schemeClr>
+                        </a:solidFill>
+                      </a:endParaRPr>
+                    </a:p>
+                  </a:txBody>
+                  <a:tcPr>
+                    <a:lnL w="12700" cap="flat" cmpd="sng" algn="ctr">
+                      <a:solidFill>
+                        <a:scrgbClr r="0" g="0" b="0"/>
+                      </a:solidFill>
+                      <a:prstDash val="solid"/>
+                      <a:round/>
+                      <a:headEnd type="none" w="med" len="med"/>
+                      <a:tailEnd type="none" w="med" len="med"/>
+                    </a:lnL>
+                    <a:lnR w="12700" cap="flat" cmpd="sng" algn="ctr">
+                      <a:solidFill>
+                        <a:scrgbClr r="0" g="0" b="0"/>
+                      </a:solidFill>
+                      <a:prstDash val="solid"/>
+                      <a:round/>
+                      <a:headEnd type="none" w="med" len="med"/>
+                      <a:tailEnd type="none" w="med" len="med"/>
+                    </a:lnR>
+                    <a:lnT w="19050" cap="flat" cmpd="sng" algn="ctr">
+                      <a:solidFill>
+                        <a:scrgbClr r="0" g="0" b="0"/>
+                      </a:solidFill>
+                      <a:prstDash val="solid"/>
+                      <a:round/>
+                      <a:headEnd type="none" w="med" len="med"/>
+                      <a:tailEnd type="none" w="med" len="med"/>
+                    </a:lnT>
+                    <a:lnB w="12700" cap="flat" cmpd="sng" algn="ctr">
+                      <a:solidFill>
+                        <a:scrgbClr r="0" g="0" b="0"/>
+                      </a:solidFill>
+                      <a:prstDash val="solid"/>
+                      <a:round/>
+                      <a:headEnd type="none" w="med" len="med"/>
+                      <a:tailEnd type="none" w="med" len="med"/>
+                    </a:lnB>
+                  </a:tcPr>
+                </a:tc>
+              </a:tr>
+              <a:tr h="370840">
+                <a:tc>
+                  <a:txBody>
+                    <a:bodyPr/>
+                    <a:lstStyle/>
+                    <a:p>
+                      <a:r>
+                        <a:rPr lang="en-US" dirty="0" smtClean="0">
+                          <a:solidFill>
+                            <a:schemeClr val="tx2">
+                              <a:lumMod val="60000"/>
+                              <a:lumOff val="40000"/>
+                            </a:schemeClr>
+                          </a:solidFill>
+                        </a:rPr>
+                        <a:t>Key2 </a:t>
+                      </a:r>
+                      <a:endParaRPr lang="en-US" dirty="0">
+                        <a:solidFill>
+                          <a:schemeClr val="tx2">
+                            <a:lumMod val="60000"/>
+                            <a:lumOff val="40000"/>
+                          </a:schemeClr>
+                        </a:solidFill>
+                      </a:endParaRPr>
+                    </a:p>
+                  </a:txBody>
+                  <a:tcPr>
+                    <a:lnL w="12700" cap="flat" cmpd="sng" algn="ctr">
+                      <a:solidFill>
+                        <a:scrgbClr r="0" g="0" b="0"/>
+                      </a:solidFill>
+                      <a:prstDash val="solid"/>
+                      <a:round/>
+                      <a:headEnd type="none" w="med" len="med"/>
+                      <a:tailEnd type="none" w="med" len="med"/>
+                    </a:lnL>
+                    <a:lnR w="12700" cap="flat" cmpd="sng" algn="ctr">
+                      <a:solidFill>
+                        <a:scrgbClr r="0" g="0" b="0"/>
+                      </a:solidFill>
+                      <a:prstDash val="solid"/>
+                      <a:round/>
+                      <a:headEnd type="none" w="med" len="med"/>
+                      <a:tailEnd type="none" w="med" len="med"/>
+                    </a:lnR>
+                    <a:lnT w="12700" cap="flat" cmpd="sng" algn="ctr">
+                      <a:solidFill>
+                        <a:scrgbClr r="0" g="0" b="0"/>
+                      </a:solidFill>
+                      <a:prstDash val="solid"/>
+                      <a:round/>
+                      <a:headEnd type="none" w="med" len="med"/>
+                      <a:tailEnd type="none" w="med" len="med"/>
+                    </a:lnT>
+                    <a:lnB w="12700" cap="flat" cmpd="sng" algn="ctr">
+                      <a:solidFill>
+                        <a:scrgbClr r="0" g="0" b="0"/>
+                      </a:solidFill>
+                      <a:prstDash val="solid"/>
+                      <a:round/>
+                      <a:headEnd type="none" w="med" len="med"/>
+                      <a:tailEnd type="none" w="med" len="med"/>
+                    </a:lnB>
+                  </a:tcPr>
+                </a:tc>
+                <a:tc>
+                  <a:txBody>
+                    <a:bodyPr/>
+                    <a:lstStyle/>
+                    <a:p>
+                      <a:r>
+                        <a:rPr lang="en-US" dirty="0" smtClean="0">
+                          <a:solidFill>
+                            <a:schemeClr val="tx2">
+                              <a:lumMod val="60000"/>
+                              <a:lumOff val="40000"/>
+                            </a:schemeClr>
+                          </a:solidFill>
+                        </a:rPr>
+                        <a:t>YYY</a:t>
+                      </a:r>
+                      <a:endParaRPr lang="en-US" dirty="0">
+                        <a:solidFill>
+                          <a:schemeClr val="tx2">
+                            <a:lumMod val="60000"/>
+                            <a:lumOff val="40000"/>
+                          </a:schemeClr>
+                        </a:solidFill>
+                      </a:endParaRPr>
+                    </a:p>
+                  </a:txBody>
+                  <a:tcPr>
+                    <a:lnL w="12700" cap="flat" cmpd="sng" algn="ctr">
+                      <a:solidFill>
+                        <a:scrgbClr r="0" g="0" b="0"/>
+                      </a:solidFill>
+                      <a:prstDash val="solid"/>
+                      <a:round/>
+                      <a:headEnd type="none" w="med" len="med"/>
+                      <a:tailEnd type="none" w="med" len="med"/>
+                    </a:lnL>
+                    <a:lnR w="12700" cap="flat" cmpd="sng" algn="ctr">
+                      <a:solidFill>
+                        <a:scrgbClr r="0" g="0" b="0"/>
+                      </a:solidFill>
+                      <a:prstDash val="solid"/>
+                      <a:round/>
+                      <a:headEnd type="none" w="med" len="med"/>
+                      <a:tailEnd type="none" w="med" len="med"/>
+                    </a:lnR>
+                    <a:lnT w="12700" cap="flat" cmpd="sng" algn="ctr">
+                      <a:solidFill>
+                        <a:scrgbClr r="0" g="0" b="0"/>
+                      </a:solidFill>
+                      <a:prstDash val="solid"/>
+                      <a:round/>
+                      <a:headEnd type="none" w="med" len="med"/>
+                      <a:tailEnd type="none" w="med" len="med"/>
+                    </a:lnT>
+                    <a:lnB w="12700" cap="flat" cmpd="sng" algn="ctr">
+                      <a:solidFill>
+                        <a:scrgbClr r="0" g="0" b="0"/>
+                      </a:solidFill>
+                      <a:prstDash val="solid"/>
+                      <a:round/>
+                      <a:headEnd type="none" w="med" len="med"/>
+                      <a:tailEnd type="none" w="med" len="med"/>
+                    </a:lnB>
+                  </a:tcPr>
+                </a:tc>
+                <a:tc>
+                  <a:txBody>
+                    <a:bodyPr/>
+                    <a:lstStyle/>
+                    <a:p>
+                      <a:endParaRPr lang="en-US" dirty="0">
+                        <a:solidFill>
+                          <a:schemeClr val="tx2">
+                            <a:lumMod val="60000"/>
+                            <a:lumOff val="40000"/>
+                          </a:schemeClr>
+                        </a:solidFill>
+                      </a:endParaRPr>
+                    </a:p>
+                  </a:txBody>
+                  <a:tcPr>
+                    <a:lnL w="12700" cap="flat" cmpd="sng" algn="ctr">
+                      <a:solidFill>
+                        <a:scrgbClr r="0" g="0" b="0"/>
+                      </a:solidFill>
+                      <a:prstDash val="solid"/>
+                      <a:round/>
+                      <a:headEnd type="none" w="med" len="med"/>
+                      <a:tailEnd type="none" w="med" len="med"/>
+                    </a:lnL>
+                    <a:lnR w="12700" cap="flat" cmpd="sng" algn="ctr">
+                      <a:solidFill>
+                        <a:scrgbClr r="0" g="0" b="0"/>
+                      </a:solidFill>
+                      <a:prstDash val="solid"/>
+                      <a:round/>
+                      <a:headEnd type="none" w="med" len="med"/>
+                      <a:tailEnd type="none" w="med" len="med"/>
+                    </a:lnR>
+                    <a:lnT w="12700" cap="flat" cmpd="sng" algn="ctr">
+                      <a:solidFill>
+                        <a:scrgbClr r="0" g="0" b="0"/>
+                      </a:solidFill>
+                      <a:prstDash val="solid"/>
+                      <a:round/>
+                      <a:headEnd type="none" w="med" len="med"/>
+                      <a:tailEnd type="none" w="med" len="med"/>
+                    </a:lnT>
+                    <a:lnB w="12700" cap="flat" cmpd="sng" algn="ctr">
+                      <a:solidFill>
+                        <a:scrgbClr r="0" g="0" b="0"/>
+                      </a:solidFill>
+                      <a:prstDash val="solid"/>
+                      <a:round/>
+                      <a:headEnd type="none" w="med" len="med"/>
+                      <a:tailEnd type="none" w="med" len="med"/>
+                    </a:lnB>
+                  </a:tcPr>
+                </a:tc>
+                <a:tc>
+                  <a:txBody>
+                    <a:bodyPr/>
+                    <a:lstStyle/>
+                    <a:p>
+                      <a:r>
+                        <a:rPr lang="en-US" dirty="0" smtClean="0">
+                          <a:solidFill>
+                            <a:schemeClr val="tx2">
+                              <a:lumMod val="60000"/>
+                              <a:lumOff val="40000"/>
+                            </a:schemeClr>
+                          </a:solidFill>
+                        </a:rPr>
+                        <a:t>key1</a:t>
+                      </a:r>
+                      <a:endParaRPr lang="en-US" dirty="0">
+                        <a:solidFill>
+                          <a:schemeClr val="tx2">
+                            <a:lumMod val="60000"/>
+                            <a:lumOff val="40000"/>
+                          </a:schemeClr>
+                        </a:solidFill>
+                      </a:endParaRPr>
+                    </a:p>
+                  </a:txBody>
+                  <a:tcPr>
+                    <a:lnL w="12700" cap="flat" cmpd="sng" algn="ctr">
+                      <a:solidFill>
+                        <a:scrgbClr r="0" g="0" b="0"/>
+                      </a:solidFill>
+                      <a:prstDash val="solid"/>
+                      <a:round/>
+                      <a:headEnd type="none" w="med" len="med"/>
+                      <a:tailEnd type="none" w="med" len="med"/>
+                    </a:lnL>
+                    <a:lnR w="12700" cap="flat" cmpd="sng" algn="ctr">
+                      <a:solidFill>
+                        <a:scrgbClr r="0" g="0" b="0"/>
+                      </a:solidFill>
+                      <a:prstDash val="solid"/>
+                      <a:round/>
+                      <a:headEnd type="none" w="med" len="med"/>
+                      <a:tailEnd type="none" w="med" len="med"/>
+                    </a:lnR>
+                    <a:lnT w="12700" cap="flat" cmpd="sng" algn="ctr">
+                      <a:solidFill>
+                        <a:scrgbClr r="0" g="0" b="0"/>
+                      </a:solidFill>
+                      <a:prstDash val="solid"/>
+                      <a:round/>
+                      <a:headEnd type="none" w="med" len="med"/>
+                      <a:tailEnd type="none" w="med" len="med"/>
+                    </a:lnT>
+                    <a:lnB w="12700" cap="flat" cmpd="sng" algn="ctr">
+                      <a:solidFill>
+                        <a:scrgbClr r="0" g="0" b="0"/>
+                      </a:solidFill>
+                      <a:prstDash val="solid"/>
+                      <a:round/>
+                      <a:headEnd type="none" w="med" len="med"/>
+                      <a:tailEnd type="none" w="med" len="med"/>
+                    </a:lnB>
+                  </a:tcPr>
+                </a:tc>
+              </a:tr>
+              <a:tr h="370840">
+                <a:tc>
+                  <a:txBody>
+                    <a:bodyPr/>
+                    <a:lstStyle/>
+                    <a:p>
+                      <a:r>
+                        <a:rPr lang="en-US" dirty="0" smtClean="0">
+                          <a:solidFill>
+                            <a:schemeClr val="tx2">
+                              <a:lumMod val="60000"/>
+                              <a:lumOff val="40000"/>
+                            </a:schemeClr>
+                          </a:solidFill>
+                        </a:rPr>
+                        <a:t>Key3</a:t>
+                      </a:r>
+                      <a:endParaRPr lang="en-US" dirty="0">
+                        <a:solidFill>
+                          <a:schemeClr val="tx2">
+                            <a:lumMod val="60000"/>
+                            <a:lumOff val="40000"/>
+                          </a:schemeClr>
+                        </a:solidFill>
+                      </a:endParaRPr>
+                    </a:p>
+                  </a:txBody>
+                  <a:tcPr>
+                    <a:lnL w="12700" cap="flat" cmpd="sng" algn="ctr">
+                      <a:solidFill>
+                        <a:scrgbClr r="0" g="0" b="0"/>
+                      </a:solidFill>
+                      <a:prstDash val="solid"/>
+                      <a:round/>
+                      <a:headEnd type="none" w="med" len="med"/>
+                      <a:tailEnd type="none" w="med" len="med"/>
+                    </a:lnL>
+                    <a:lnR w="12700" cap="flat" cmpd="sng" algn="ctr">
+                      <a:solidFill>
+                        <a:scrgbClr r="0" g="0" b="0"/>
+                      </a:solidFill>
+                      <a:prstDash val="solid"/>
+                      <a:round/>
+                      <a:headEnd type="none" w="med" len="med"/>
+                      <a:tailEnd type="none" w="med" len="med"/>
+                    </a:lnR>
+                    <a:lnT w="12700" cap="flat" cmpd="sng" algn="ctr">
+                      <a:solidFill>
+                        <a:scrgbClr r="0" g="0" b="0"/>
+                      </a:solidFill>
+                      <a:prstDash val="solid"/>
+                      <a:round/>
+                      <a:headEnd type="none" w="med" len="med"/>
+                      <a:tailEnd type="none" w="med" len="med"/>
+                    </a:lnT>
+                    <a:lnB w="12700" cap="flat" cmpd="sng" algn="ctr">
+                      <a:solidFill>
+                        <a:scrgbClr r="0" g="0" b="0"/>
+                      </a:solidFill>
+                      <a:prstDash val="solid"/>
+                      <a:round/>
+                      <a:headEnd type="none" w="med" len="med"/>
+                      <a:tailEnd type="none" w="med" len="med"/>
+                    </a:lnB>
+                  </a:tcPr>
+                </a:tc>
+                <a:tc>
+                  <a:txBody>
+                    <a:bodyPr/>
+                    <a:lstStyle/>
+                    <a:p>
+                      <a:r>
+                        <a:rPr lang="en-US" dirty="0" smtClean="0">
+                          <a:solidFill>
+                            <a:schemeClr val="tx2">
+                              <a:lumMod val="60000"/>
+                              <a:lumOff val="40000"/>
+                            </a:schemeClr>
+                          </a:solidFill>
+                        </a:rPr>
+                        <a:t>ZZZ</a:t>
+                      </a:r>
+                      <a:endParaRPr lang="en-US" dirty="0">
+                        <a:solidFill>
+                          <a:schemeClr val="tx2">
+                            <a:lumMod val="60000"/>
+                            <a:lumOff val="40000"/>
+                          </a:schemeClr>
+                        </a:solidFill>
+                      </a:endParaRPr>
+                    </a:p>
+                  </a:txBody>
+                  <a:tcPr>
+                    <a:lnL w="12700" cap="flat" cmpd="sng" algn="ctr">
+                      <a:solidFill>
+                        <a:scrgbClr r="0" g="0" b="0"/>
+                      </a:solidFill>
+                      <a:prstDash val="solid"/>
+                      <a:round/>
+                      <a:headEnd type="none" w="med" len="med"/>
+                      <a:tailEnd type="none" w="med" len="med"/>
+                    </a:lnL>
+                    <a:lnR w="12700" cap="flat" cmpd="sng" algn="ctr">
+                      <a:solidFill>
+                        <a:scrgbClr r="0" g="0" b="0"/>
+                      </a:solidFill>
+                      <a:prstDash val="solid"/>
+                      <a:round/>
+                      <a:headEnd type="none" w="med" len="med"/>
+                      <a:tailEnd type="none" w="med" len="med"/>
+                    </a:lnR>
+                    <a:lnT w="12700" cap="flat" cmpd="sng" algn="ctr">
+                      <a:solidFill>
+                        <a:scrgbClr r="0" g="0" b="0"/>
+                      </a:solidFill>
+                      <a:prstDash val="solid"/>
+                      <a:round/>
+                      <a:headEnd type="none" w="med" len="med"/>
+                      <a:tailEnd type="none" w="med" len="med"/>
+                    </a:lnT>
+                    <a:lnB w="12700" cap="flat" cmpd="sng" algn="ctr">
+                      <a:solidFill>
+                        <a:scrgbClr r="0" g="0" b="0"/>
+                      </a:solidFill>
+                      <a:prstDash val="solid"/>
+                      <a:round/>
+                      <a:headEnd type="none" w="med" len="med"/>
+                      <a:tailEnd type="none" w="med" len="med"/>
+                    </a:lnB>
+                  </a:tcPr>
+                </a:tc>
+                <a:tc>
+                  <a:txBody>
+                    <a:bodyPr/>
+                    <a:lstStyle/>
+                    <a:p>
+                      <a:endParaRPr lang="en-US" dirty="0">
+                        <a:solidFill>
+                          <a:schemeClr val="tx2">
+                            <a:lumMod val="60000"/>
+                            <a:lumOff val="40000"/>
+                          </a:schemeClr>
+                        </a:solidFill>
+                      </a:endParaRPr>
+                    </a:p>
+                  </a:txBody>
+                  <a:tcPr>
+                    <a:lnL w="12700" cap="flat" cmpd="sng" algn="ctr">
+                      <a:solidFill>
+                        <a:scrgbClr r="0" g="0" b="0"/>
+                      </a:solidFill>
+                      <a:prstDash val="solid"/>
+                      <a:round/>
+                      <a:headEnd type="none" w="med" len="med"/>
+                      <a:tailEnd type="none" w="med" len="med"/>
+                    </a:lnL>
+                    <a:lnR w="12700" cap="flat" cmpd="sng" algn="ctr">
+                      <a:solidFill>
+                        <a:scrgbClr r="0" g="0" b="0"/>
+                      </a:solidFill>
+                      <a:prstDash val="solid"/>
+                      <a:round/>
+                      <a:headEnd type="none" w="med" len="med"/>
+                      <a:tailEnd type="none" w="med" len="med"/>
+                    </a:lnR>
+                    <a:lnT w="12700" cap="flat" cmpd="sng" algn="ctr">
+                      <a:solidFill>
+                        <a:scrgbClr r="0" g="0" b="0"/>
+                      </a:solidFill>
+                      <a:prstDash val="solid"/>
+                      <a:round/>
+                      <a:headEnd type="none" w="med" len="med"/>
+                      <a:tailEnd type="none" w="med" len="med"/>
+                    </a:lnT>
+                    <a:lnB w="12700" cap="flat" cmpd="sng" algn="ctr">
+                      <a:solidFill>
+                        <a:scrgbClr r="0" g="0" b="0"/>
+                      </a:solidFill>
+                      <a:prstDash val="solid"/>
+                      <a:round/>
+                      <a:headEnd type="none" w="med" len="med"/>
+                      <a:tailEnd type="none" w="med" len="med"/>
+                    </a:lnB>
+                  </a:tcPr>
+                </a:tc>
+                <a:tc>
+                  <a:txBody>
+                    <a:bodyPr/>
+                    <a:lstStyle/>
+                    <a:p>
+                      <a:r>
+                        <a:rPr lang="en-US" dirty="0" smtClean="0">
+                          <a:solidFill>
+                            <a:schemeClr val="tx2">
+                              <a:lumMod val="60000"/>
+                              <a:lumOff val="40000"/>
+                            </a:schemeClr>
+                          </a:solidFill>
+                        </a:rPr>
+                        <a:t>key1</a:t>
+                      </a:r>
+                      <a:endParaRPr lang="en-US" dirty="0">
+                        <a:solidFill>
+                          <a:schemeClr val="tx2">
+                            <a:lumMod val="60000"/>
+                            <a:lumOff val="40000"/>
+                          </a:schemeClr>
+                        </a:solidFill>
+                      </a:endParaRPr>
+                    </a:p>
+                  </a:txBody>
+                  <a:tcPr>
+                    <a:lnL w="12700" cap="flat" cmpd="sng" algn="ctr">
+                      <a:solidFill>
+                        <a:scrgbClr r="0" g="0" b="0"/>
+                      </a:solidFill>
+                      <a:prstDash val="solid"/>
+                      <a:round/>
+                      <a:headEnd type="none" w="med" len="med"/>
+                      <a:tailEnd type="none" w="med" len="med"/>
+                    </a:lnL>
+                    <a:lnR w="12700" cap="flat" cmpd="sng" algn="ctr">
+                      <a:solidFill>
+                        <a:scrgbClr r="0" g="0" b="0"/>
+                      </a:solidFill>
+                      <a:prstDash val="solid"/>
+                      <a:round/>
+                      <a:headEnd type="none" w="med" len="med"/>
+                      <a:tailEnd type="none" w="med" len="med"/>
+                    </a:lnR>
+                    <a:lnT w="12700" cap="flat" cmpd="sng" algn="ctr">
+                      <a:solidFill>
+                        <a:scrgbClr r="0" g="0" b="0"/>
+                      </a:solidFill>
+                      <a:prstDash val="solid"/>
+                      <a:round/>
+                      <a:headEnd type="none" w="med" len="med"/>
+                      <a:tailEnd type="none" w="med" len="med"/>
+                    </a:lnT>
+                    <a:lnB w="12700" cap="flat" cmpd="sng" algn="ctr">
+                      <a:solidFill>
+                        <a:scrgbClr r="0" g="0" b="0"/>
+                      </a:solidFill>
+                      <a:prstDash val="solid"/>
+                      <a:round/>
+                      <a:headEnd type="none" w="med" len="med"/>
+                      <a:tailEnd type="none" w="med" len="med"/>
+                    </a:lnB>
+                  </a:tcPr>
+                </a:tc>
+              </a:tr>
+            </a:tbl>
+          </a:graphicData>
+        </a:graphic>
+      </p:graphicFrame>
+    </p:spTree>
+    <p:extLst>
+      <p:ext uri="{BB962C8B-B14F-4D97-AF65-F5344CB8AC3E}">
+        <p14:creationId xmlns:p14="http://schemas.microsoft.com/office/powerpoint/2010/main" val="898785853"/>
       </p:ext>
     </p:extLst>
   </p:cSld>

--- a/figs/LTX-RT.pptx
+++ b/figs/LTX-RT.pptx
@@ -7,6 +7,7 @@
   <p:sldIdLst>
     <p:sldId id="256" r:id="rId2"/>
     <p:sldId id="257" r:id="rId3"/>
+    <p:sldId id="258" r:id="rId4"/>
   </p:sldIdLst>
   <p:sldSz cx="9144000" cy="6858000" type="screen4x3"/>
   <p:notesSz cx="6858000" cy="9144000"/>
@@ -3657,14 +3658,14 @@
           <p:nvPr>
             <p:extLst>
               <p:ext uri="{D42A27DB-BD31-4B8C-83A1-F6EECF244321}">
-                <p14:modId xmlns:p14="http://schemas.microsoft.com/office/powerpoint/2010/main" val="3015404611"/>
+                <p14:modId xmlns:p14="http://schemas.microsoft.com/office/powerpoint/2010/main" val="1261625080"/>
               </p:ext>
             </p:extLst>
           </p:nvPr>
         </p:nvGraphicFramePr>
         <p:xfrm>
-          <a:off x="1524000" y="1397000"/>
-          <a:ext cx="6096000" cy="1483360"/>
+          <a:off x="1403350" y="82550"/>
+          <a:ext cx="4353983" cy="1752600"/>
         </p:xfrm>
         <a:graphic>
           <a:graphicData uri="http://schemas.openxmlformats.org/drawingml/2006/table">
@@ -3673,10 +3674,11 @@
                 <a:tableStyleId>{2D5ABB26-0587-4C30-8999-92F81FD0307C}</a:tableStyleId>
               </a:tblPr>
               <a:tblGrid>
-                <a:gridCol w="1524000"/>
-                <a:gridCol w="1524000"/>
-                <a:gridCol w="1524000"/>
-                <a:gridCol w="1524000"/>
+                <a:gridCol w="834789"/>
+                <a:gridCol w="755982"/>
+                <a:gridCol w="923637"/>
+                <a:gridCol w="876427"/>
+                <a:gridCol w="963148"/>
               </a:tblGrid>
               <a:tr h="370840">
                 <a:tc>
@@ -3687,7 +3689,7 @@
                       <a:pPr algn="ctr"/>
                       <a:r>
                         <a:rPr lang="en-US" dirty="0" smtClean="0"/>
-                        <a:t>Key</a:t>
+                        <a:t>key</a:t>
                       </a:r>
                       <a:endParaRPr lang="en-US" dirty="0"/>
                     </a:p>
@@ -3739,7 +3741,7 @@
                       <a:pPr algn="ctr"/>
                       <a:r>
                         <a:rPr lang="en-US" dirty="0" smtClean="0"/>
-                        <a:t>Value</a:t>
+                        <a:t>value</a:t>
                       </a:r>
                       <a:endParaRPr lang="en-US" dirty="0"/>
                     </a:p>
@@ -3791,9 +3793,24 @@
                       <a:pPr algn="ctr"/>
                       <a:r>
                         <a:rPr lang="en-US" dirty="0" smtClean="0"/>
-                        <a:t>Shadow Cell</a:t>
+                        <a:t>Version</a:t>
                       </a:r>
-                      <a:endParaRPr lang="en-US" dirty="0"/>
+                      <a:br>
+                        <a:rPr lang="en-US" dirty="0" smtClean="0"/>
+                      </a:br>
+                      <a:r>
+                        <a:rPr lang="en-US" i="1" dirty="0" smtClean="0"/>
+                        <a:t>(</a:t>
+                      </a:r>
+                      <a:r>
+                        <a:rPr lang="en-US" i="1" dirty="0" err="1" smtClean="0"/>
+                        <a:t>txid</a:t>
+                      </a:r>
+                      <a:r>
+                        <a:rPr lang="en-US" i="1" dirty="0" smtClean="0"/>
+                        <a:t>)</a:t>
+                      </a:r>
+                      <a:endParaRPr lang="en-US" i="1" dirty="0"/>
                     </a:p>
                   </a:txBody>
                   <a:tcPr>
@@ -3843,7 +3860,59 @@
                       <a:pPr algn="ctr"/>
                       <a:r>
                         <a:rPr lang="en-US" dirty="0" smtClean="0"/>
-                        <a:t>Leader Cell</a:t>
+                        <a:t>commit</a:t>
+                      </a:r>
+                      <a:endParaRPr lang="en-US" dirty="0"/>
+                    </a:p>
+                  </a:txBody>
+                  <a:tcPr>
+                    <a:lnL w="19050" cap="flat" cmpd="sng" algn="ctr">
+                      <a:solidFill>
+                        <a:scrgbClr r="0" g="0" b="0"/>
+                      </a:solidFill>
+                      <a:prstDash val="solid"/>
+                      <a:round/>
+                      <a:headEnd type="none" w="med" len="med"/>
+                      <a:tailEnd type="none" w="med" len="med"/>
+                    </a:lnL>
+                    <a:lnR w="19050" cap="flat" cmpd="sng" algn="ctr">
+                      <a:solidFill>
+                        <a:scrgbClr r="0" g="0" b="0"/>
+                      </a:solidFill>
+                      <a:prstDash val="solid"/>
+                      <a:round/>
+                      <a:headEnd type="none" w="med" len="med"/>
+                      <a:tailEnd type="none" w="med" len="med"/>
+                    </a:lnR>
+                    <a:lnT w="19050" cap="flat" cmpd="sng" algn="ctr">
+                      <a:solidFill>
+                        <a:scrgbClr r="0" g="0" b="0"/>
+                      </a:solidFill>
+                      <a:prstDash val="solid"/>
+                      <a:round/>
+                      <a:headEnd type="none" w="med" len="med"/>
+                      <a:tailEnd type="none" w="med" len="med"/>
+                    </a:lnT>
+                    <a:lnB w="19050" cap="flat" cmpd="sng" algn="ctr">
+                      <a:solidFill>
+                        <a:scrgbClr r="0" g="0" b="0"/>
+                      </a:solidFill>
+                      <a:prstDash val="solid"/>
+                      <a:round/>
+                      <a:headEnd type="none" w="med" len="med"/>
+                      <a:tailEnd type="none" w="med" len="med"/>
+                    </a:lnB>
+                  </a:tcPr>
+                </a:tc>
+                <a:tc>
+                  <a:txBody>
+                    <a:bodyPr/>
+                    <a:lstStyle/>
+                    <a:p>
+                      <a:pPr algn="ctr"/>
+                      <a:r>
+                        <a:rPr lang="en-US" dirty="0" smtClean="0"/>
+                        <a:t>leader</a:t>
                       </a:r>
                       <a:endParaRPr lang="en-US" dirty="0"/>
                     </a:p>
@@ -3903,7 +3972,7 @@
                             </a:schemeClr>
                           </a:solidFill>
                         </a:rPr>
-                        <a:t>Key1</a:t>
+                        <a:t>k1</a:t>
                       </a:r>
                       <a:endParaRPr lang="en-US" dirty="0">
                         <a:solidFill>
@@ -3968,7 +4037,7 @@
                             </a:schemeClr>
                           </a:solidFill>
                         </a:rPr>
-                        <a:t>XXX</a:t>
+                        <a:t>a</a:t>
                       </a:r>
                       <a:endParaRPr lang="en-US" dirty="0">
                         <a:solidFill>
@@ -4127,6 +4196,60 @@
                     </a:lnB>
                   </a:tcPr>
                 </a:tc>
+                <a:tc>
+                  <a:txBody>
+                    <a:bodyPr/>
+                    <a:lstStyle/>
+                    <a:p>
+                      <a:endParaRPr lang="en-US" dirty="0">
+                        <a:solidFill>
+                          <a:schemeClr val="tx2">
+                            <a:lumMod val="60000"/>
+                            <a:lumOff val="40000"/>
+                          </a:schemeClr>
+                        </a:solidFill>
+                      </a:endParaRPr>
+                    </a:p>
+                  </a:txBody>
+                  <a:tcPr>
+                    <a:lnL w="12700" cap="flat" cmpd="sng" algn="ctr">
+                      <a:solidFill>
+                        <a:scrgbClr r="0" g="0" b="0"/>
+                      </a:solidFill>
+                      <a:prstDash val="solid"/>
+                      <a:round/>
+                      <a:headEnd type="none" w="med" len="med"/>
+                      <a:tailEnd type="none" w="med" len="med"/>
+                    </a:lnL>
+                    <a:lnR w="12700" cap="flat" cmpd="sng" algn="ctr">
+                      <a:solidFill>
+                        <a:scrgbClr r="0" g="0" b="0"/>
+                      </a:solidFill>
+                      <a:prstDash val="solid"/>
+                      <a:round/>
+                      <a:headEnd type="none" w="med" len="med"/>
+                      <a:tailEnd type="none" w="med" len="med"/>
+                    </a:lnR>
+                    <a:lnT w="19050" cap="flat" cmpd="sng" algn="ctr">
+                      <a:solidFill>
+                        <a:scrgbClr r="0" g="0" b="0"/>
+                      </a:solidFill>
+                      <a:prstDash val="solid"/>
+                      <a:round/>
+                      <a:headEnd type="none" w="med" len="med"/>
+                      <a:tailEnd type="none" w="med" len="med"/>
+                    </a:lnT>
+                    <a:lnB w="12700" cap="flat" cmpd="sng" algn="ctr">
+                      <a:solidFill>
+                        <a:scrgbClr r="0" g="0" b="0"/>
+                      </a:solidFill>
+                      <a:prstDash val="solid"/>
+                      <a:round/>
+                      <a:headEnd type="none" w="med" len="med"/>
+                      <a:tailEnd type="none" w="med" len="med"/>
+                    </a:lnB>
+                  </a:tcPr>
+                </a:tc>
               </a:tr>
               <a:tr h="370840">
                 <a:tc>
@@ -4143,7 +4266,7 @@
                             </a:schemeClr>
                           </a:solidFill>
                         </a:rPr>
-                        <a:t>Key2 </a:t>
+                        <a:t>K2</a:t>
                       </a:r>
                       <a:endParaRPr lang="en-US" dirty="0">
                         <a:solidFill>
@@ -4208,7 +4331,7 @@
                             </a:schemeClr>
                           </a:solidFill>
                         </a:rPr>
-                        <a:t>YYY</a:t>
+                        <a:t>b</a:t>
                       </a:r>
                       <a:endParaRPr lang="en-US" dirty="0">
                         <a:solidFill>
@@ -4318,6 +4441,60 @@
                     <a:bodyPr/>
                     <a:lstStyle/>
                     <a:p>
+                      <a:endParaRPr lang="en-US" dirty="0">
+                        <a:solidFill>
+                          <a:schemeClr val="tx2">
+                            <a:lumMod val="60000"/>
+                            <a:lumOff val="40000"/>
+                          </a:schemeClr>
+                        </a:solidFill>
+                      </a:endParaRPr>
+                    </a:p>
+                  </a:txBody>
+                  <a:tcPr>
+                    <a:lnL w="12700" cap="flat" cmpd="sng" algn="ctr">
+                      <a:solidFill>
+                        <a:scrgbClr r="0" g="0" b="0"/>
+                      </a:solidFill>
+                      <a:prstDash val="solid"/>
+                      <a:round/>
+                      <a:headEnd type="none" w="med" len="med"/>
+                      <a:tailEnd type="none" w="med" len="med"/>
+                    </a:lnL>
+                    <a:lnR w="12700" cap="flat" cmpd="sng" algn="ctr">
+                      <a:solidFill>
+                        <a:scrgbClr r="0" g="0" b="0"/>
+                      </a:solidFill>
+                      <a:prstDash val="solid"/>
+                      <a:round/>
+                      <a:headEnd type="none" w="med" len="med"/>
+                      <a:tailEnd type="none" w="med" len="med"/>
+                    </a:lnR>
+                    <a:lnT w="12700" cap="flat" cmpd="sng" algn="ctr">
+                      <a:solidFill>
+                        <a:scrgbClr r="0" g="0" b="0"/>
+                      </a:solidFill>
+                      <a:prstDash val="solid"/>
+                      <a:round/>
+                      <a:headEnd type="none" w="med" len="med"/>
+                      <a:tailEnd type="none" w="med" len="med"/>
+                    </a:lnT>
+                    <a:lnB w="12700" cap="flat" cmpd="sng" algn="ctr">
+                      <a:solidFill>
+                        <a:scrgbClr r="0" g="0" b="0"/>
+                      </a:solidFill>
+                      <a:prstDash val="solid"/>
+                      <a:round/>
+                      <a:headEnd type="none" w="med" len="med"/>
+                      <a:tailEnd type="none" w="med" len="med"/>
+                    </a:lnB>
+                  </a:tcPr>
+                </a:tc>
+                <a:tc>
+                  <a:txBody>
+                    <a:bodyPr/>
+                    <a:lstStyle/>
+                    <a:p>
                       <a:r>
                         <a:rPr lang="en-US" dirty="0" smtClean="0">
                           <a:solidFill>
@@ -4327,7 +4504,7 @@
                             </a:schemeClr>
                           </a:solidFill>
                         </a:rPr>
-                        <a:t>key1</a:t>
+                        <a:t>K1</a:t>
                       </a:r>
                       <a:endParaRPr lang="en-US" dirty="0">
                         <a:solidFill>
@@ -4394,7 +4571,7 @@
                             </a:schemeClr>
                           </a:solidFill>
                         </a:rPr>
-                        <a:t>Key3</a:t>
+                        <a:t>K3</a:t>
                       </a:r>
                       <a:endParaRPr lang="en-US" dirty="0">
                         <a:solidFill>
@@ -4459,7 +4636,7 @@
                             </a:schemeClr>
                           </a:solidFill>
                         </a:rPr>
-                        <a:t>ZZZ</a:t>
+                        <a:t>c</a:t>
                       </a:r>
                       <a:endParaRPr lang="en-US" dirty="0">
                         <a:solidFill>
@@ -4569,6 +4746,60 @@
                     <a:bodyPr/>
                     <a:lstStyle/>
                     <a:p>
+                      <a:endParaRPr lang="en-US" dirty="0">
+                        <a:solidFill>
+                          <a:schemeClr val="tx2">
+                            <a:lumMod val="60000"/>
+                            <a:lumOff val="40000"/>
+                          </a:schemeClr>
+                        </a:solidFill>
+                      </a:endParaRPr>
+                    </a:p>
+                  </a:txBody>
+                  <a:tcPr>
+                    <a:lnL w="12700" cap="flat" cmpd="sng" algn="ctr">
+                      <a:solidFill>
+                        <a:scrgbClr r="0" g="0" b="0"/>
+                      </a:solidFill>
+                      <a:prstDash val="solid"/>
+                      <a:round/>
+                      <a:headEnd type="none" w="med" len="med"/>
+                      <a:tailEnd type="none" w="med" len="med"/>
+                    </a:lnL>
+                    <a:lnR w="12700" cap="flat" cmpd="sng" algn="ctr">
+                      <a:solidFill>
+                        <a:scrgbClr r="0" g="0" b="0"/>
+                      </a:solidFill>
+                      <a:prstDash val="solid"/>
+                      <a:round/>
+                      <a:headEnd type="none" w="med" len="med"/>
+                      <a:tailEnd type="none" w="med" len="med"/>
+                    </a:lnR>
+                    <a:lnT w="12700" cap="flat" cmpd="sng" algn="ctr">
+                      <a:solidFill>
+                        <a:scrgbClr r="0" g="0" b="0"/>
+                      </a:solidFill>
+                      <a:prstDash val="solid"/>
+                      <a:round/>
+                      <a:headEnd type="none" w="med" len="med"/>
+                      <a:tailEnd type="none" w="med" len="med"/>
+                    </a:lnT>
+                    <a:lnB w="12700" cap="flat" cmpd="sng" algn="ctr">
+                      <a:solidFill>
+                        <a:scrgbClr r="0" g="0" b="0"/>
+                      </a:solidFill>
+                      <a:prstDash val="solid"/>
+                      <a:round/>
+                      <a:headEnd type="none" w="med" len="med"/>
+                      <a:tailEnd type="none" w="med" len="med"/>
+                    </a:lnB>
+                  </a:tcPr>
+                </a:tc>
+                <a:tc>
+                  <a:txBody>
+                    <a:bodyPr/>
+                    <a:lstStyle/>
+                    <a:p>
                       <a:r>
                         <a:rPr lang="en-US" dirty="0" smtClean="0">
                           <a:solidFill>
@@ -4578,7 +4809,7 @@
                             </a:schemeClr>
                           </a:solidFill>
                         </a:rPr>
-                        <a:t>key1</a:t>
+                        <a:t>k1</a:t>
                       </a:r>
                       <a:endParaRPr lang="en-US" dirty="0">
                         <a:solidFill>
@@ -4638,6 +4869,36 @@
     <p:extLst>
       <p:ext uri="{BB962C8B-B14F-4D97-AF65-F5344CB8AC3E}">
         <p14:creationId xmlns:p14="http://schemas.microsoft.com/office/powerpoint/2010/main" val="898785853"/>
+      </p:ext>
+    </p:extLst>
+  </p:cSld>
+  <p:clrMapOvr>
+    <a:masterClrMapping/>
+  </p:clrMapOvr>
+</p:sld>
+</file>
+
+<file path=ppt/slides/slide3.xml><?xml version="1.0" encoding="utf-8"?>
+<p:sld xmlns:a="http://schemas.openxmlformats.org/drawingml/2006/main" xmlns:r="http://schemas.openxmlformats.org/officeDocument/2006/relationships" xmlns:p="http://schemas.openxmlformats.org/presentationml/2006/main">
+  <p:cSld>
+    <p:spTree>
+      <p:nvGrpSpPr>
+        <p:cNvPr id="1" name=""/>
+        <p:cNvGrpSpPr/>
+        <p:nvPr/>
+      </p:nvGrpSpPr>
+      <p:grpSpPr>
+        <a:xfrm>
+          <a:off x="0" y="0"/>
+          <a:ext cx="0" cy="0"/>
+          <a:chOff x="0" y="0"/>
+          <a:chExt cx="0" cy="0"/>
+        </a:xfrm>
+      </p:grpSpPr>
+    </p:spTree>
+    <p:extLst>
+      <p:ext uri="{BB962C8B-B14F-4D97-AF65-F5344CB8AC3E}">
+        <p14:creationId xmlns:p14="http://schemas.microsoft.com/office/powerpoint/2010/main" val="2501387935"/>
       </p:ext>
     </p:extLst>
   </p:cSld>
